--- a/P10_5_Presentation.pptx
+++ b/P10_5_Presentation.pptx
@@ -16840,7 +16840,7 @@
                 <a:cs typeface="Roboto"/>
                 <a:sym typeface="Google Sans Medium"/>
               </a:rPr>
-              <a:t>Building a Flight Booking Chatbot</a:t>
+              <a:t>Designing a Flight Booking Chatbot</a:t>
             </a:r>
             <a:endParaRPr sz="400" dirty="0">
               <a:solidFill>
@@ -20838,7 +20838,7 @@
                 </a:solidFill>
                 <a:sym typeface="Wingdings" panose="05000000000000000000" pitchFamily="2" charset="2"/>
               </a:rPr>
-              <a:t>Intents 0.94</a:t>
+              <a:t>Intents 0.96</a:t>
             </a:r>
           </a:p>
           <a:p>
